--- a/presentation/nice fonts_jakob und joschi.pptx
+++ b/presentation/nice fonts_jakob und joschi.pptx
@@ -5,7 +5,7 @@
     <p:sldMasterId id="2147483648" r:id="rId1"/>
   </p:sldMasterIdLst>
   <p:notesMasterIdLst>
-    <p:notesMasterId r:id="rId15"/>
+    <p:notesMasterId r:id="rId14"/>
   </p:notesMasterIdLst>
   <p:sldIdLst>
     <p:sldId id="270" r:id="rId2"/>
@@ -18,9 +18,8 @@
     <p:sldId id="273" r:id="rId9"/>
     <p:sldId id="263" r:id="rId10"/>
     <p:sldId id="275" r:id="rId11"/>
-    <p:sldId id="274" r:id="rId12"/>
-    <p:sldId id="264" r:id="rId13"/>
-    <p:sldId id="271" r:id="rId14"/>
+    <p:sldId id="264" r:id="rId12"/>
+    <p:sldId id="271" r:id="rId13"/>
   </p:sldIdLst>
   <p:sldSz cx="12192000" cy="6858000"/>
   <p:notesSz cx="6858000" cy="9144000"/>
@@ -136,102 +135,21 @@
       </p:ext>
     </p:extLst>
   </p:cmAuthor>
+  <p:cmAuthor id="2" name="Jakob Roth" initials="JR" lastIdx="1" clrIdx="1">
+    <p:extLst>
+      <p:ext uri="{19B8F6BF-5375-455C-9EA6-DF929625EA0E}">
+        <p15:presenceInfo xmlns:p15="http://schemas.microsoft.com/office/powerpoint/2012/main" userId="29b3279602256028" providerId="Windows Live"/>
+      </p:ext>
+    </p:extLst>
+  </p:cmAuthor>
 </p:cmAuthorLst>
 </file>
 
 <file path=ppt/comments/comment1.xml><?xml version="1.0" encoding="utf-8"?>
 <p:cmLst xmlns:a="http://schemas.openxmlformats.org/drawingml/2006/main" xmlns:r="http://schemas.openxmlformats.org/officeDocument/2006/relationships" xmlns:p="http://schemas.openxmlformats.org/presentationml/2006/main">
-  <p:cm authorId="1" dt="2018-12-08T11:48:44.892" idx="4">
-    <p:pos x="298" y="1425"/>
-    <p:text>Mention solved game first (-&gt; this is the reason for our adjustments)</p:text>
-    <p:extLst>
-      <p:ext uri="{C676402C-5697-4E1C-873F-D02D1690AC5C}">
-        <p15:threadingInfo xmlns:p15="http://schemas.microsoft.com/office/powerpoint/2012/main" timeZoneBias="-60"/>
-      </p:ext>
-    </p:extLst>
-  </p:cm>
-</p:cmLst>
-</file>
-
-<file path=ppt/comments/comment2.xml><?xml version="1.0" encoding="utf-8"?>
-<p:cmLst xmlns:a="http://schemas.openxmlformats.org/drawingml/2006/main" xmlns:r="http://schemas.openxmlformats.org/officeDocument/2006/relationships" xmlns:p="http://schemas.openxmlformats.org/presentationml/2006/main">
-  <p:cm authorId="1" dt="2018-12-08T11:58:54.207" idx="7">
-    <p:pos x="366" y="2577"/>
-    <p:text>diagonal red?</p:text>
-    <p:extLst>
-      <p:ext uri="{C676402C-5697-4E1C-873F-D02D1690AC5C}">
-        <p15:threadingInfo xmlns:p15="http://schemas.microsoft.com/office/powerpoint/2012/main" timeZoneBias="-60"/>
-      </p:ext>
-    </p:extLst>
-  </p:cm>
-  <p:cm authorId="1" dt="2018-12-08T11:59:54.168" idx="8">
-    <p:pos x="374" y="3015"/>
-    <p:text>replace non-active</p:text>
-    <p:extLst>
-      <p:ext uri="{C676402C-5697-4E1C-873F-D02D1690AC5C}">
-        <p15:threadingInfo xmlns:p15="http://schemas.microsoft.com/office/powerpoint/2012/main" timeZoneBias="-60"/>
-      </p:ext>
-    </p:extLst>
-  </p:cm>
-</p:cmLst>
-</file>
-
-<file path=ppt/comments/comment3.xml><?xml version="1.0" encoding="utf-8"?>
-<p:cmLst xmlns:a="http://schemas.openxmlformats.org/drawingml/2006/main" xmlns:r="http://schemas.openxmlformats.org/officeDocument/2006/relationships" xmlns:p="http://schemas.openxmlformats.org/presentationml/2006/main">
-  <p:cm authorId="1" dt="2018-12-08T12:06:41.888" idx="9">
-    <p:pos x="1626" y="2499"/>
-    <p:text>replace important</p:text>
-    <p:extLst>
-      <p:ext uri="{C676402C-5697-4E1C-873F-D02D1690AC5C}">
-        <p15:threadingInfo xmlns:p15="http://schemas.microsoft.com/office/powerpoint/2012/main" timeZoneBias="-60"/>
-      </p:ext>
-    </p:extLst>
-  </p:cm>
-  <p:cm authorId="1" dt="2018-12-08T12:09:59.310" idx="10">
-    <p:pos x="288" y="2202"/>
-    <p:text>delete referee</p:text>
-    <p:extLst>
-      <p:ext uri="{C676402C-5697-4E1C-873F-D02D1690AC5C}">
-        <p15:threadingInfo xmlns:p15="http://schemas.microsoft.com/office/powerpoint/2012/main" timeZoneBias="-60"/>
-      </p:ext>
-    </p:extLst>
-  </p:cm>
-</p:cmLst>
-</file>
-
-<file path=ppt/comments/comment4.xml><?xml version="1.0" encoding="utf-8"?>
-<p:cmLst xmlns:a="http://schemas.openxmlformats.org/drawingml/2006/main" xmlns:r="http://schemas.openxmlformats.org/officeDocument/2006/relationships" xmlns:p="http://schemas.openxmlformats.org/presentationml/2006/main">
-  <p:cm authorId="1" dt="2018-12-08T13:03:03.020" idx="14">
-    <p:pos x="352" y="1072"/>
-    <p:text>increase font size</p:text>
-    <p:extLst>
-      <p:ext uri="{C676402C-5697-4E1C-873F-D02D1690AC5C}">
-        <p15:threadingInfo xmlns:p15="http://schemas.microsoft.com/office/powerpoint/2012/main" timeZoneBias="-60"/>
-      </p:ext>
-    </p:extLst>
-  </p:cm>
-</p:cmLst>
-</file>
-
-<file path=ppt/comments/comment5.xml><?xml version="1.0" encoding="utf-8"?>
-<p:cmLst xmlns:a="http://schemas.openxmlformats.org/drawingml/2006/main" xmlns:r="http://schemas.openxmlformats.org/officeDocument/2006/relationships" xmlns:p="http://schemas.openxmlformats.org/presentationml/2006/main">
-  <p:cm authorId="1" dt="2018-12-08T13:10:58.812" idx="15">
+  <p:cm authorId="2" dt="2018-12-08T13:32:52.520" idx="1">
     <p:pos x="10" y="10"/>
-    <p:text>Explain PRNG in previous slide -&gt; delete this slide?</p:text>
-    <p:extLst>
-      <p:ext uri="{C676402C-5697-4E1C-873F-D02D1690AC5C}">
-        <p15:threadingInfo xmlns:p15="http://schemas.microsoft.com/office/powerpoint/2012/main" timeZoneBias="-60"/>
-      </p:ext>
-    </p:extLst>
-  </p:cm>
-</p:cmLst>
-</file>
-
-<file path=ppt/comments/comment6.xml><?xml version="1.0" encoding="utf-8"?>
-<p:cmLst xmlns:a="http://schemas.openxmlformats.org/drawingml/2006/main" xmlns:r="http://schemas.openxmlformats.org/officeDocument/2006/relationships" xmlns:p="http://schemas.openxmlformats.org/presentationml/2006/main">
-  <p:cm authorId="1" dt="2018-12-08T12:19:46.123" idx="13">
-    <p:pos x="282" y="282"/>
-    <p:text>As difficulty increases, so does the probability to find block hash -&gt; security flaw?</p:text>
+    <p:text>Left side</p:text>
     <p:extLst>
       <p:ext uri="{C676402C-5697-4E1C-873F-D02D1690AC5C}">
         <p15:threadingInfo xmlns:p15="http://schemas.microsoft.com/office/powerpoint/2012/main" timeZoneBias="-60"/>
@@ -323,7 +241,7 @@
           <a:p>
             <a:fld id="{B855FD1C-9D05-1E46-906F-8C8CAA1CCA09}" type="datetimeFigureOut">
               <a:rPr lang="de-CH" smtClean="0"/>
-              <a:t>08.12.18</a:t>
+              <a:t>08.12.2018</a:t>
             </a:fld>
             <a:endParaRPr lang="de-CH"/>
           </a:p>
@@ -857,18 +775,10 @@
           <a:lstStyle/>
           <a:p>
             <a:r>
-              <a:rPr lang="de-CH" dirty="0"/>
-              <a:t>Explanation:</a:t>
-            </a:r>
-          </a:p>
-          <a:p>
+              <a:rPr lang="en-US" dirty="0"/>
+              <a:t>As difficulty increases, so does the probability to find block hash -&gt; security flaw?</a:t>
+            </a:r>
             <a:endParaRPr lang="de-CH" dirty="0"/>
-          </a:p>
-          <a:p>
-            <a:r>
-              <a:rPr lang="de-CH" dirty="0"/>
-              <a:t>PRNG</a:t>
-            </a:r>
           </a:p>
         </p:txBody>
       </p:sp>
@@ -890,121 +800,6 @@
             <a:fld id="{F079726E-9332-8945-9B56-DA4499D9CAE0}" type="slidenum">
               <a:rPr lang="de-CH" smtClean="0"/>
               <a:t>11</a:t>
-            </a:fld>
-            <a:endParaRPr lang="de-CH"/>
-          </a:p>
-        </p:txBody>
-      </p:sp>
-    </p:spTree>
-    <p:extLst>
-      <p:ext uri="{BB962C8B-B14F-4D97-AF65-F5344CB8AC3E}">
-        <p14:creationId xmlns:p14="http://schemas.microsoft.com/office/powerpoint/2010/main" val="920268944"/>
-      </p:ext>
-    </p:extLst>
-  </p:cSld>
-  <p:clrMapOvr>
-    <a:masterClrMapping/>
-  </p:clrMapOvr>
-</p:notes>
-</file>
-
-<file path=ppt/notesSlides/notesSlide12.xml><?xml version="1.0" encoding="utf-8"?>
-<p:notes xmlns:a="http://schemas.openxmlformats.org/drawingml/2006/main" xmlns:r="http://schemas.openxmlformats.org/officeDocument/2006/relationships" xmlns:p="http://schemas.openxmlformats.org/presentationml/2006/main">
-  <p:cSld>
-    <p:spTree>
-      <p:nvGrpSpPr>
-        <p:cNvPr id="1" name=""/>
-        <p:cNvGrpSpPr/>
-        <p:nvPr/>
-      </p:nvGrpSpPr>
-      <p:grpSpPr>
-        <a:xfrm>
-          <a:off x="0" y="0"/>
-          <a:ext cx="0" cy="0"/>
-          <a:chOff x="0" y="0"/>
-          <a:chExt cx="0" cy="0"/>
-        </a:xfrm>
-      </p:grpSpPr>
-      <p:sp>
-        <p:nvSpPr>
-          <p:cNvPr id="2" name="Slide Image Placeholder 1"/>
-          <p:cNvSpPr>
-            <a:spLocks noGrp="1" noRot="1" noChangeAspect="1"/>
-          </p:cNvSpPr>
-          <p:nvPr>
-            <p:ph type="sldImg"/>
-          </p:nvPr>
-        </p:nvSpPr>
-        <p:spPr/>
-      </p:sp>
-      <p:sp>
-        <p:nvSpPr>
-          <p:cNvPr id="3" name="Notes Placeholder 2"/>
-          <p:cNvSpPr>
-            <a:spLocks noGrp="1"/>
-          </p:cNvSpPr>
-          <p:nvPr>
-            <p:ph type="body" idx="1"/>
-          </p:nvPr>
-        </p:nvSpPr>
-        <p:spPr/>
-        <p:txBody>
-          <a:bodyPr/>
-          <a:lstStyle/>
-          <a:p>
-            <a:r>
-              <a:rPr lang="de-CH" dirty="0" err="1"/>
-              <a:t>Is</a:t>
-            </a:r>
-            <a:r>
-              <a:rPr lang="de-CH" dirty="0"/>
-              <a:t> </a:t>
-            </a:r>
-            <a:r>
-              <a:rPr lang="de-CH" dirty="0" err="1"/>
-              <a:t>this</a:t>
-            </a:r>
-            <a:r>
-              <a:rPr lang="de-CH" dirty="0"/>
-              <a:t> </a:t>
-            </a:r>
-            <a:r>
-              <a:rPr lang="de-CH" dirty="0" err="1"/>
-              <a:t>slide</a:t>
-            </a:r>
-            <a:r>
-              <a:rPr lang="de-CH" dirty="0"/>
-              <a:t> </a:t>
-            </a:r>
-            <a:r>
-              <a:rPr lang="de-CH" dirty="0" err="1"/>
-              <a:t>necessary</a:t>
-            </a:r>
-            <a:r>
-              <a:rPr lang="de-CH" dirty="0"/>
-              <a:t>?</a:t>
-            </a:r>
-          </a:p>
-        </p:txBody>
-      </p:sp>
-      <p:sp>
-        <p:nvSpPr>
-          <p:cNvPr id="4" name="Slide Number Placeholder 3"/>
-          <p:cNvSpPr>
-            <a:spLocks noGrp="1"/>
-          </p:cNvSpPr>
-          <p:nvPr>
-            <p:ph type="sldNum" sz="quarter" idx="5"/>
-          </p:nvPr>
-        </p:nvSpPr>
-        <p:spPr/>
-        <p:txBody>
-          <a:bodyPr/>
-          <a:lstStyle/>
-          <a:p>
-            <a:fld id="{F079726E-9332-8945-9B56-DA4499D9CAE0}" type="slidenum">
-              <a:rPr lang="de-CH" smtClean="0"/>
-              <a:t>12</a:t>
             </a:fld>
             <a:endParaRPr lang="de-CH"/>
           </a:p>
@@ -4496,7 +4291,7 @@
           <a:p>
             <a:fld id="{7D7776A5-21CC-F24B-97BE-CF67D8827C44}" type="datetimeFigureOut">
               <a:rPr lang="de-CH" smtClean="0"/>
-              <a:t>08.12.18</a:t>
+              <a:t>08.12.2018</a:t>
             </a:fld>
             <a:endParaRPr lang="de-CH"/>
           </a:p>
@@ -4696,7 +4491,7 @@
           <a:p>
             <a:fld id="{7D7776A5-21CC-F24B-97BE-CF67D8827C44}" type="datetimeFigureOut">
               <a:rPr lang="de-CH" smtClean="0"/>
-              <a:t>08.12.18</a:t>
+              <a:t>08.12.2018</a:t>
             </a:fld>
             <a:endParaRPr lang="de-CH"/>
           </a:p>
@@ -4906,7 +4701,7 @@
           <a:p>
             <a:fld id="{7D7776A5-21CC-F24B-97BE-CF67D8827C44}" type="datetimeFigureOut">
               <a:rPr lang="de-CH" smtClean="0"/>
-              <a:t>08.12.18</a:t>
+              <a:t>08.12.2018</a:t>
             </a:fld>
             <a:endParaRPr lang="de-CH"/>
           </a:p>
@@ -5141,7 +4936,7 @@
           <a:p>
             <a:fld id="{7D7776A5-21CC-F24B-97BE-CF67D8827C44}" type="datetimeFigureOut">
               <a:rPr lang="de-CH" smtClean="0"/>
-              <a:t>08.12.18</a:t>
+              <a:t>08.12.2018</a:t>
             </a:fld>
             <a:endParaRPr lang="de-CH"/>
           </a:p>
@@ -5417,7 +5212,7 @@
           <a:p>
             <a:fld id="{7D7776A5-21CC-F24B-97BE-CF67D8827C44}" type="datetimeFigureOut">
               <a:rPr lang="de-CH" smtClean="0"/>
-              <a:t>08.12.18</a:t>
+              <a:t>08.12.2018</a:t>
             </a:fld>
             <a:endParaRPr lang="de-CH"/>
           </a:p>
@@ -5685,7 +5480,7 @@
           <a:p>
             <a:fld id="{7D7776A5-21CC-F24B-97BE-CF67D8827C44}" type="datetimeFigureOut">
               <a:rPr lang="de-CH" smtClean="0"/>
-              <a:t>08.12.18</a:t>
+              <a:t>08.12.2018</a:t>
             </a:fld>
             <a:endParaRPr lang="de-CH"/>
           </a:p>
@@ -6104,7 +5899,7 @@
           <a:p>
             <a:fld id="{7D7776A5-21CC-F24B-97BE-CF67D8827C44}" type="datetimeFigureOut">
               <a:rPr lang="de-CH" smtClean="0"/>
-              <a:t>08.12.18</a:t>
+              <a:t>08.12.2018</a:t>
             </a:fld>
             <a:endParaRPr lang="de-CH"/>
           </a:p>
@@ -6246,7 +6041,7 @@
           <a:p>
             <a:fld id="{7D7776A5-21CC-F24B-97BE-CF67D8827C44}" type="datetimeFigureOut">
               <a:rPr lang="de-CH" smtClean="0"/>
-              <a:t>08.12.18</a:t>
+              <a:t>08.12.2018</a:t>
             </a:fld>
             <a:endParaRPr lang="de-CH"/>
           </a:p>
@@ -6359,7 +6154,7 @@
           <a:p>
             <a:fld id="{7D7776A5-21CC-F24B-97BE-CF67D8827C44}" type="datetimeFigureOut">
               <a:rPr lang="de-CH" smtClean="0"/>
-              <a:t>08.12.18</a:t>
+              <a:t>08.12.2018</a:t>
             </a:fld>
             <a:endParaRPr lang="de-CH"/>
           </a:p>
@@ -6728,7 +6523,7 @@
           <a:p>
             <a:fld id="{7D7776A5-21CC-F24B-97BE-CF67D8827C44}" type="datetimeFigureOut">
               <a:rPr lang="de-CH" smtClean="0"/>
-              <a:t>08.12.18</a:t>
+              <a:t>08.12.2018</a:t>
             </a:fld>
             <a:endParaRPr lang="de-CH"/>
           </a:p>
@@ -7058,7 +6853,7 @@
           <a:p>
             <a:fld id="{7D7776A5-21CC-F24B-97BE-CF67D8827C44}" type="datetimeFigureOut">
               <a:rPr lang="de-CH" smtClean="0"/>
-              <a:t>08.12.18</a:t>
+              <a:t>08.12.2018</a:t>
             </a:fld>
             <a:endParaRPr lang="de-CH"/>
           </a:p>
@@ -7934,8 +7729,8 @@
         </p:nvSpPr>
         <p:spPr>
           <a:xfrm>
-            <a:off x="839788" y="2222500"/>
-            <a:ext cx="9207500" cy="2585323"/>
+            <a:off x="438531" y="2222500"/>
+            <a:ext cx="11753469" cy="3708708"/>
           </a:xfrm>
           <a:prstGeom prst="rect">
             <a:avLst/>
@@ -8170,12 +7965,412 @@
               </a:rPr>
               <a:t>}</a:t>
             </a:r>
+          </a:p>
+          <a:p>
+            <a:pPr>
+              <a:spcBef>
+                <a:spcPts val="1000"/>
+              </a:spcBef>
+            </a:pPr>
+            <a:r>
+              <a:rPr lang="en-US" sz="1600" dirty="0">
+                <a:latin typeface="Courier"/>
+              </a:rPr>
+              <a:t>function </a:t>
+            </a:r>
+            <a:r>
+              <a:rPr lang="en-US" sz="1600" dirty="0" err="1">
+                <a:latin typeface="Courier"/>
+              </a:rPr>
+              <a:t>setUpGame</a:t>
+            </a:r>
+            <a:r>
+              <a:rPr lang="en-US" sz="1600" dirty="0">
+                <a:latin typeface="Courier"/>
+              </a:rPr>
+              <a:t>() private {</a:t>
+            </a:r>
+          </a:p>
+          <a:p>
+            <a:pPr>
+              <a:spcBef>
+                <a:spcPts val="1000"/>
+              </a:spcBef>
+            </a:pPr>
+            <a:r>
+              <a:rPr lang="en-US" sz="1600" dirty="0">
+                <a:latin typeface="Courier"/>
+              </a:rPr>
+              <a:t>    </a:t>
+            </a:r>
+            <a:r>
+              <a:rPr lang="en-US" sz="1600" dirty="0" err="1">
+                <a:latin typeface="Courier"/>
+              </a:rPr>
+              <a:t>currentRandomNumber</a:t>
+            </a:r>
+            <a:r>
+              <a:rPr lang="en-US" sz="1600" dirty="0">
+                <a:latin typeface="Courier"/>
+              </a:rPr>
+              <a:t> = </a:t>
+            </a:r>
+            <a:r>
+              <a:rPr lang="en-US" sz="1600" dirty="0" err="1">
+                <a:latin typeface="Courier"/>
+              </a:rPr>
+              <a:t>uint</a:t>
+            </a:r>
+            <a:r>
+              <a:rPr lang="en-US" sz="1600" dirty="0">
+                <a:latin typeface="Courier"/>
+              </a:rPr>
+              <a:t>(player2JoinBlockHash ^ bytes32(uint256(</a:t>
+            </a:r>
+            <a:r>
+              <a:rPr lang="en-US" sz="1600" dirty="0" err="1">
+                <a:latin typeface="Courier"/>
+              </a:rPr>
+              <a:t>startCoinbase</a:t>
+            </a:r>
+            <a:r>
+              <a:rPr lang="en-US" sz="1600" dirty="0">
+                <a:latin typeface="Courier"/>
+              </a:rPr>
+              <a:t>) </a:t>
+            </a:r>
+            <a:r>
+              <a:rPr lang="en-US" sz="1600" dirty="0">
+                <a:solidFill>
+                  <a:schemeClr val="bg1"/>
+                </a:solidFill>
+                <a:latin typeface="Courier"/>
+              </a:rPr>
+              <a:t>&lt;&lt; 96));</a:t>
+            </a:r>
             <a:endParaRPr lang="de-DE" sz="1600" dirty="0">
-              <a:latin typeface="Courier" pitchFamily="2" charset="0"/>
+              <a:solidFill>
+                <a:schemeClr val="bg1"/>
+              </a:solidFill>
+              <a:latin typeface="Courier"/>
             </a:endParaRPr>
           </a:p>
+          <a:p>
+            <a:pPr>
+              <a:spcBef>
+                <a:spcPts val="1000"/>
+              </a:spcBef>
+            </a:pPr>
+            <a:r>
+              <a:rPr lang="de-DE" sz="1600" dirty="0">
+                <a:latin typeface="Courier"/>
+              </a:rPr>
+              <a:t>    //</a:t>
+            </a:r>
+            <a:r>
+              <a:rPr lang="de-DE" sz="1600" dirty="0" err="1">
+                <a:latin typeface="Courier"/>
+              </a:rPr>
+              <a:t>nextRandomNumber</a:t>
+            </a:r>
+            <a:r>
+              <a:rPr lang="de-DE" sz="1600" dirty="0">
+                <a:latin typeface="Courier"/>
+              </a:rPr>
+              <a:t> = </a:t>
+            </a:r>
+            <a:r>
+              <a:rPr lang="de-DE" sz="1600" dirty="0" err="1">
+                <a:latin typeface="Courier"/>
+              </a:rPr>
+              <a:t>rand</a:t>
+            </a:r>
+            <a:r>
+              <a:rPr lang="de-DE" sz="1600" dirty="0">
+                <a:latin typeface="Courier"/>
+              </a:rPr>
+              <a:t>() % n</a:t>
+            </a:r>
+            <a:endParaRPr lang="en-US" sz="1600" dirty="0">
+              <a:latin typeface="Courier"/>
+            </a:endParaRPr>
+          </a:p>
         </p:txBody>
       </p:sp>
+      <mc:AlternateContent xmlns:mc="http://schemas.openxmlformats.org/markup-compatibility/2006">
+        <mc:Choice xmlns:a14="http://schemas.microsoft.com/office/drawing/2010/main" Requires="a14">
+          <p:sp>
+            <p:nvSpPr>
+              <p:cNvPr id="3" name="Textfeld 2">
+                <a:extLst>
+                  <a:ext uri="{FF2B5EF4-FFF2-40B4-BE49-F238E27FC236}">
+                    <a16:creationId xmlns:a16="http://schemas.microsoft.com/office/drawing/2014/main" id="{8A21588E-ABA0-41C2-8B5A-0A0E80B69530}"/>
+                  </a:ext>
+                </a:extLst>
+              </p:cNvPr>
+              <p:cNvSpPr txBox="1"/>
+              <p:nvPr/>
+            </p:nvSpPr>
+            <p:spPr>
+              <a:xfrm>
+                <a:off x="7095281" y="2222500"/>
+                <a:ext cx="3333509" cy="369332"/>
+              </a:xfrm>
+              <a:prstGeom prst="rect">
+                <a:avLst/>
+              </a:prstGeom>
+              <a:noFill/>
+            </p:spPr>
+            <p:txBody>
+              <a:bodyPr wrap="square" rtlCol="0">
+                <a:spAutoFit/>
+              </a:bodyPr>
+              <a:lstStyle/>
+              <a:p>
+                <a:pPr>
+                  <a:spcBef>
+                    <a:spcPts val="1600"/>
+                  </a:spcBef>
+                </a:pPr>
+                <a14:m>
+                  <m:oMathPara xmlns:m="http://schemas.openxmlformats.org/officeDocument/2006/math">
+                    <m:oMathParaPr>
+                      <m:jc m:val="centerGroup"/>
+                    </m:oMathParaPr>
+                    <m:oMath xmlns:m="http://schemas.openxmlformats.org/officeDocument/2006/math">
+                      <m:sSub>
+                        <m:sSubPr>
+                          <m:ctrlPr>
+                            <a:rPr lang="de-CH" i="1">
+                              <a:latin typeface="Cambria Math" panose="02040503050406030204" pitchFamily="18" charset="0"/>
+                            </a:rPr>
+                          </m:ctrlPr>
+                        </m:sSubPr>
+                        <m:e>
+                          <m:r>
+                            <a:rPr lang="de-CH" i="1">
+                              <a:latin typeface="Cambria Math" panose="02040503050406030204" pitchFamily="18" charset="0"/>
+                            </a:rPr>
+                            <m:t>𝑥</m:t>
+                          </m:r>
+                        </m:e>
+                        <m:sub>
+                          <m:r>
+                            <a:rPr lang="de-CH" i="1">
+                              <a:latin typeface="Cambria Math" panose="02040503050406030204" pitchFamily="18" charset="0"/>
+                            </a:rPr>
+                            <m:t>𝑛</m:t>
+                          </m:r>
+                          <m:r>
+                            <a:rPr lang="de-CH" i="1">
+                              <a:latin typeface="Cambria Math" panose="02040503050406030204" pitchFamily="18" charset="0"/>
+                            </a:rPr>
+                            <m:t>+1</m:t>
+                          </m:r>
+                        </m:sub>
+                      </m:sSub>
+                      <m:r>
+                        <a:rPr lang="de-DE" dirty="0">
+                          <a:latin typeface="Cambria Math" panose="02040503050406030204" pitchFamily="18" charset="0"/>
+                          <a:ea typeface="Cambria Math" panose="02040503050406030204" pitchFamily="18" charset="0"/>
+                        </a:rPr>
+                        <m:t>=</m:t>
+                      </m:r>
+                      <m:r>
+                        <a:rPr lang="de-CH" dirty="0">
+                          <a:latin typeface="Cambria Math" panose="02040503050406030204" pitchFamily="18" charset="0"/>
+                          <a:ea typeface="Cambria Math" panose="02040503050406030204" pitchFamily="18" charset="0"/>
+                        </a:rPr>
+                        <m:t>(</m:t>
+                      </m:r>
+                      <m:r>
+                        <a:rPr lang="de-CH" i="1" dirty="0">
+                          <a:latin typeface="Cambria Math" panose="02040503050406030204" pitchFamily="18" charset="0"/>
+                          <a:ea typeface="Cambria Math" panose="02040503050406030204" pitchFamily="18" charset="0"/>
+                        </a:rPr>
+                        <m:t>𝑎</m:t>
+                      </m:r>
+                      <m:r>
+                        <a:rPr lang="de-CH" i="1" dirty="0">
+                          <a:latin typeface="Cambria Math" panose="02040503050406030204" pitchFamily="18" charset="0"/>
+                          <a:ea typeface="Cambria Math" panose="02040503050406030204" pitchFamily="18" charset="0"/>
+                        </a:rPr>
+                        <m:t> × </m:t>
+                      </m:r>
+                      <m:sSub>
+                        <m:sSubPr>
+                          <m:ctrlPr>
+                            <a:rPr lang="de-CH" i="1" dirty="0">
+                              <a:latin typeface="Cambria Math" panose="02040503050406030204" pitchFamily="18" charset="0"/>
+                              <a:ea typeface="Cambria Math" panose="02040503050406030204" pitchFamily="18" charset="0"/>
+                            </a:rPr>
+                          </m:ctrlPr>
+                        </m:sSubPr>
+                        <m:e>
+                          <m:r>
+                            <a:rPr lang="de-CH" i="1" dirty="0">
+                              <a:latin typeface="Cambria Math" panose="02040503050406030204" pitchFamily="18" charset="0"/>
+                              <a:ea typeface="Cambria Math" panose="02040503050406030204" pitchFamily="18" charset="0"/>
+                            </a:rPr>
+                            <m:t>𝑥</m:t>
+                          </m:r>
+                        </m:e>
+                        <m:sub>
+                          <m:r>
+                            <a:rPr lang="de-CH" i="1" dirty="0">
+                              <a:latin typeface="Cambria Math" panose="02040503050406030204" pitchFamily="18" charset="0"/>
+                              <a:ea typeface="Cambria Math" panose="02040503050406030204" pitchFamily="18" charset="0"/>
+                            </a:rPr>
+                            <m:t>𝑛</m:t>
+                          </m:r>
+                        </m:sub>
+                      </m:sSub>
+                      <m:r>
+                        <a:rPr lang="de-CH" i="1" dirty="0">
+                          <a:latin typeface="Cambria Math" panose="02040503050406030204" pitchFamily="18" charset="0"/>
+                          <a:ea typeface="Cambria Math" panose="02040503050406030204" pitchFamily="18" charset="0"/>
+                        </a:rPr>
+                        <m:t>+</m:t>
+                      </m:r>
+                      <m:r>
+                        <a:rPr lang="de-CH" i="1" dirty="0">
+                          <a:latin typeface="Cambria Math" panose="02040503050406030204" pitchFamily="18" charset="0"/>
+                          <a:ea typeface="Cambria Math" panose="02040503050406030204" pitchFamily="18" charset="0"/>
+                        </a:rPr>
+                        <m:t>𝑐</m:t>
+                      </m:r>
+                      <m:r>
+                        <a:rPr lang="de-CH" i="1" dirty="0">
+                          <a:latin typeface="Cambria Math" panose="02040503050406030204" pitchFamily="18" charset="0"/>
+                          <a:ea typeface="Cambria Math" panose="02040503050406030204" pitchFamily="18" charset="0"/>
+                        </a:rPr>
+                        <m:t>) </m:t>
+                      </m:r>
+                      <m:r>
+                        <m:rPr>
+                          <m:sty m:val="p"/>
+                        </m:rPr>
+                        <a:rPr lang="de-CH" dirty="0">
+                          <a:latin typeface="Cambria Math" panose="02040503050406030204" pitchFamily="18" charset="0"/>
+                          <a:ea typeface="Cambria Math" panose="02040503050406030204" pitchFamily="18" charset="0"/>
+                        </a:rPr>
+                        <m:t>mod</m:t>
+                      </m:r>
+                      <m:r>
+                        <a:rPr lang="de-CH" dirty="0">
+                          <a:latin typeface="Cambria Math" panose="02040503050406030204" pitchFamily="18" charset="0"/>
+                          <a:ea typeface="Cambria Math" panose="02040503050406030204" pitchFamily="18" charset="0"/>
+                        </a:rPr>
+                        <m:t> </m:t>
+                      </m:r>
+                      <m:r>
+                        <a:rPr lang="de-CH" i="1" dirty="0">
+                          <a:latin typeface="Cambria Math" panose="02040503050406030204" pitchFamily="18" charset="0"/>
+                          <a:ea typeface="Cambria Math" panose="02040503050406030204" pitchFamily="18" charset="0"/>
+                        </a:rPr>
+                        <m:t>𝑚</m:t>
+                      </m:r>
+                    </m:oMath>
+                  </m:oMathPara>
+                </a14:m>
+                <a:endParaRPr lang="en-US" i="1" dirty="0">
+                  <a:solidFill>
+                    <a:srgbClr val="FF0000"/>
+                  </a:solidFill>
+                </a:endParaRPr>
+              </a:p>
+            </p:txBody>
+          </p:sp>
+        </mc:Choice>
+        <mc:Fallback>
+          <p:sp>
+            <p:nvSpPr>
+              <p:cNvPr id="3" name="Textfeld 2">
+                <a:extLst>
+                  <a:ext uri="{FF2B5EF4-FFF2-40B4-BE49-F238E27FC236}">
+                    <a16:creationId xmlns:a16="http://schemas.microsoft.com/office/drawing/2014/main" id="{8A21588E-ABA0-41C2-8B5A-0A0E80B69530}"/>
+                  </a:ext>
+                </a:extLst>
+              </p:cNvPr>
+              <p:cNvSpPr txBox="1">
+                <a:spLocks noRot="1" noChangeAspect="1" noMove="1" noResize="1" noEditPoints="1" noAdjustHandles="1" noChangeArrowheads="1" noChangeShapeType="1" noTextEdit="1"/>
+              </p:cNvSpPr>
+              <p:nvPr/>
+            </p:nvSpPr>
+            <p:spPr>
+              <a:xfrm>
+                <a:off x="7095281" y="2222500"/>
+                <a:ext cx="3333509" cy="369332"/>
+              </a:xfrm>
+              <a:prstGeom prst="rect">
+                <a:avLst/>
+              </a:prstGeom>
+              <a:blipFill>
+                <a:blip r:embed="rId3"/>
+                <a:stretch>
+                  <a:fillRect b="-13333"/>
+                </a:stretch>
+              </a:blipFill>
+            </p:spPr>
+            <p:txBody>
+              <a:bodyPr/>
+              <a:lstStyle/>
+              <a:p>
+                <a:r>
+                  <a:rPr lang="de-CH">
+                    <a:noFill/>
+                  </a:rPr>
+                  <a:t> </a:t>
+                </a:r>
+              </a:p>
+            </p:txBody>
+          </p:sp>
+        </mc:Fallback>
+      </mc:AlternateContent>
+      <p:cxnSp>
+        <p:nvCxnSpPr>
+          <p:cNvPr id="5" name="Gerade Verbindung mit Pfeil 4">
+            <a:extLst>
+              <a:ext uri="{FF2B5EF4-FFF2-40B4-BE49-F238E27FC236}">
+                <a16:creationId xmlns:a16="http://schemas.microsoft.com/office/drawing/2014/main" id="{8449302C-18C7-41FC-B285-1BD558D5FDF5}"/>
+              </a:ext>
+            </a:extLst>
+          </p:cNvPr>
+          <p:cNvCxnSpPr>
+            <a:cxnSpLocks/>
+          </p:cNvCxnSpPr>
+          <p:nvPr/>
+        </p:nvCxnSpPr>
+        <p:spPr>
+          <a:xfrm flipH="1">
+            <a:off x="4653023" y="2500132"/>
+            <a:ext cx="2604304" cy="613458"/>
+          </a:xfrm>
+          <a:prstGeom prst="straightConnector1">
+            <a:avLst/>
+          </a:prstGeom>
+          <a:ln>
+            <a:solidFill>
+              <a:schemeClr val="tx1"/>
+            </a:solidFill>
+            <a:tailEnd type="triangle"/>
+          </a:ln>
+        </p:spPr>
+        <p:style>
+          <a:lnRef idx="1">
+            <a:schemeClr val="accent1"/>
+          </a:lnRef>
+          <a:fillRef idx="0">
+            <a:schemeClr val="accent1"/>
+          </a:fillRef>
+          <a:effectRef idx="0">
+            <a:schemeClr val="accent1"/>
+          </a:effectRef>
+          <a:fontRef idx="minor">
+            <a:schemeClr val="tx1"/>
+          </a:fontRef>
+        </p:style>
+      </p:cxnSp>
     </p:spTree>
     <p:extLst>
       <p:ext uri="{BB962C8B-B14F-4D97-AF65-F5344CB8AC3E}">
@@ -8211,287 +8406,6 @@
           <p:cNvPr id="2" name="Title 1">
             <a:extLst>
               <a:ext uri="{FF2B5EF4-FFF2-40B4-BE49-F238E27FC236}">
-                <a16:creationId xmlns:a16="http://schemas.microsoft.com/office/drawing/2014/main" id="{B920BAE1-75A8-014B-9C85-A6996C95E0BC}"/>
-              </a:ext>
-            </a:extLst>
-          </p:cNvPr>
-          <p:cNvSpPr>
-            <a:spLocks noGrp="1"/>
-          </p:cNvSpPr>
-          <p:nvPr>
-            <p:ph type="title"/>
-          </p:nvPr>
-        </p:nvSpPr>
-        <p:spPr/>
-        <p:txBody>
-          <a:bodyPr/>
-          <a:lstStyle/>
-          <a:p>
-            <a:r>
-              <a:rPr lang="de-CH" dirty="0" err="1"/>
-              <a:t>Function</a:t>
-            </a:r>
-            <a:r>
-              <a:rPr lang="de-CH" dirty="0"/>
-              <a:t>: </a:t>
-            </a:r>
-            <a:r>
-              <a:rPr lang="de-CH" dirty="0" err="1"/>
-              <a:t>setUpGame</a:t>
-            </a:r>
-            <a:endParaRPr lang="de-CH" dirty="0"/>
-          </a:p>
-        </p:txBody>
-      </p:sp>
-      <p:sp>
-        <p:nvSpPr>
-          <p:cNvPr id="3" name="Content Placeholder 2">
-            <a:extLst>
-              <a:ext uri="{FF2B5EF4-FFF2-40B4-BE49-F238E27FC236}">
-                <a16:creationId xmlns:a16="http://schemas.microsoft.com/office/drawing/2014/main" id="{A0DD9595-88FB-6C43-A2E8-2D289EA7CF8E}"/>
-              </a:ext>
-            </a:extLst>
-          </p:cNvPr>
-          <p:cNvSpPr>
-            <a:spLocks noGrp="1"/>
-          </p:cNvSpPr>
-          <p:nvPr>
-            <p:ph idx="1"/>
-          </p:nvPr>
-        </p:nvSpPr>
-        <p:spPr>
-          <a:xfrm>
-            <a:off x="838200" y="1519882"/>
-            <a:ext cx="7514968" cy="4657082"/>
-          </a:xfrm>
-        </p:spPr>
-        <p:txBody>
-          <a:bodyPr>
-            <a:noAutofit/>
-          </a:bodyPr>
-          <a:lstStyle/>
-          <a:p>
-            <a:pPr marL="0" indent="0">
-              <a:buNone/>
-            </a:pPr>
-            <a:r>
-              <a:rPr lang="en-US" sz="1200" dirty="0"/>
-              <a:t>function </a:t>
-            </a:r>
-            <a:r>
-              <a:rPr lang="en-US" sz="1200" dirty="0" err="1"/>
-              <a:t>setUpGame</a:t>
-            </a:r>
-            <a:r>
-              <a:rPr lang="en-US" sz="1200" dirty="0"/>
-              <a:t>() private {</a:t>
-            </a:r>
-          </a:p>
-          <a:p>
-            <a:pPr marL="0" indent="0">
-              <a:buNone/>
-            </a:pPr>
-            <a:r>
-              <a:rPr lang="en-US" sz="1200" dirty="0"/>
-              <a:t>	</a:t>
-            </a:r>
-            <a:r>
-              <a:rPr lang="en-US" sz="1200" dirty="0" err="1"/>
-              <a:t>currentRandomNumber</a:t>
-            </a:r>
-            <a:r>
-              <a:rPr lang="en-US" sz="1200" dirty="0"/>
-              <a:t> = </a:t>
-            </a:r>
-            <a:r>
-              <a:rPr lang="en-US" sz="1200" dirty="0" err="1"/>
-              <a:t>uint</a:t>
-            </a:r>
-            <a:r>
-              <a:rPr lang="en-US" sz="1200" dirty="0"/>
-              <a:t>(player2JoinBlockHash ^ bytes32(uint256(</a:t>
-            </a:r>
-            <a:r>
-              <a:rPr lang="en-US" sz="1200" dirty="0" err="1"/>
-              <a:t>startCoinbase</a:t>
-            </a:r>
-            <a:r>
-              <a:rPr lang="en-US" sz="1200" dirty="0"/>
-              <a:t>) &lt;&lt; 96));</a:t>
-            </a:r>
-          </a:p>
-          <a:p>
-            <a:pPr marL="0" indent="0">
-              <a:buNone/>
-            </a:pPr>
-            <a:r>
-              <a:rPr lang="en-US" sz="1200" dirty="0"/>
-              <a:t>	player1Turn = (</a:t>
-            </a:r>
-            <a:r>
-              <a:rPr lang="en-US" sz="1200" dirty="0" err="1"/>
-              <a:t>currentRandomNumber</a:t>
-            </a:r>
-            <a:r>
-              <a:rPr lang="en-US" sz="1200" dirty="0"/>
-              <a:t> % 2) == 0;</a:t>
-            </a:r>
-          </a:p>
-          <a:p>
-            <a:pPr marL="0" indent="0">
-              <a:buNone/>
-            </a:pPr>
-            <a:r>
-              <a:rPr lang="en-US" sz="1200" dirty="0"/>
-              <a:t>(…)</a:t>
-            </a:r>
-          </a:p>
-          <a:p>
-            <a:pPr marL="0" indent="0">
-              <a:buNone/>
-            </a:pPr>
-            <a:r>
-              <a:rPr lang="en-US" sz="1200" b="1" dirty="0"/>
-              <a:t>// set stone for player 2</a:t>
-            </a:r>
-          </a:p>
-          <a:p>
-            <a:pPr marL="0" indent="0">
-              <a:buNone/>
-            </a:pPr>
-            <a:r>
-              <a:rPr lang="en-US" sz="1200" dirty="0"/>
-              <a:t>uint8 row2;</a:t>
-            </a:r>
-          </a:p>
-          <a:p>
-            <a:pPr marL="0" indent="0">
-              <a:buNone/>
-            </a:pPr>
-            <a:r>
-              <a:rPr lang="en-US" sz="1200" dirty="0"/>
-              <a:t>uint8 col2;</a:t>
-            </a:r>
-          </a:p>
-          <a:p>
-            <a:pPr marL="0" indent="0">
-              <a:buNone/>
-            </a:pPr>
-            <a:r>
-              <a:rPr lang="en-US" sz="1200" dirty="0"/>
-              <a:t>do {</a:t>
-            </a:r>
-          </a:p>
-          <a:p>
-            <a:pPr marL="0" indent="0">
-              <a:buNone/>
-            </a:pPr>
-            <a:r>
-              <a:rPr lang="en-US" sz="1200" dirty="0"/>
-              <a:t>	row2 = uint8((rand() % 4)) + 1;</a:t>
-            </a:r>
-          </a:p>
-          <a:p>
-            <a:pPr marL="0" indent="0">
-              <a:buNone/>
-            </a:pPr>
-            <a:r>
-              <a:rPr lang="en-US" sz="1200" dirty="0"/>
-              <a:t>	col2 = uint8((rand() % 4)) + 1;</a:t>
-            </a:r>
-          </a:p>
-          <a:p>
-            <a:pPr marL="0" indent="0">
-              <a:buNone/>
-            </a:pPr>
-            <a:r>
-              <a:rPr lang="en-US" sz="1200" dirty="0"/>
-              <a:t>	if (col2 &gt;= 3)</a:t>
-            </a:r>
-          </a:p>
-          <a:p>
-            <a:pPr marL="0" indent="0">
-              <a:buNone/>
-            </a:pPr>
-            <a:r>
-              <a:rPr lang="en-US" sz="1200" dirty="0"/>
-              <a:t>		col2++;</a:t>
-            </a:r>
-          </a:p>
-          <a:p>
-            <a:pPr marL="0" indent="0">
-              <a:buNone/>
-            </a:pPr>
-            <a:r>
-              <a:rPr lang="en-US" sz="1200" dirty="0"/>
-              <a:t>	}</a:t>
-            </a:r>
-          </a:p>
-          <a:p>
-            <a:pPr marL="0" indent="0">
-              <a:buNone/>
-            </a:pPr>
-            <a:r>
-              <a:rPr lang="en-US" sz="1200" dirty="0"/>
-              <a:t>while (col1 == col2 &amp;&amp; row1 == row2);</a:t>
-            </a:r>
-          </a:p>
-          <a:p>
-            <a:pPr marL="0" indent="0">
-              <a:buNone/>
-            </a:pPr>
-            <a:r>
-              <a:rPr lang="en-US" sz="1200" dirty="0"/>
-              <a:t>grid[col2][row2] = 2;</a:t>
-            </a:r>
-          </a:p>
-          <a:p>
-            <a:pPr marL="0" indent="0">
-              <a:buNone/>
-            </a:pPr>
-            <a:r>
-              <a:rPr lang="en-US" sz="1200" dirty="0"/>
-              <a:t>}</a:t>
-            </a:r>
-            <a:endParaRPr lang="de-CH" sz="1200" dirty="0"/>
-          </a:p>
-        </p:txBody>
-      </p:sp>
-    </p:spTree>
-    <p:extLst>
-      <p:ext uri="{BB962C8B-B14F-4D97-AF65-F5344CB8AC3E}">
-        <p14:creationId xmlns:p14="http://schemas.microsoft.com/office/powerpoint/2010/main" val="3658505780"/>
-      </p:ext>
-    </p:extLst>
-  </p:cSld>
-  <p:clrMapOvr>
-    <a:masterClrMapping/>
-  </p:clrMapOvr>
-</p:sld>
-</file>
-
-<file path=ppt/slides/slide12.xml><?xml version="1.0" encoding="utf-8"?>
-<p:sld xmlns:a="http://schemas.openxmlformats.org/drawingml/2006/main" xmlns:r="http://schemas.openxmlformats.org/officeDocument/2006/relationships" xmlns:p="http://schemas.openxmlformats.org/presentationml/2006/main" show="0">
-  <p:cSld>
-    <p:spTree>
-      <p:nvGrpSpPr>
-        <p:cNvPr id="1" name=""/>
-        <p:cNvGrpSpPr/>
-        <p:nvPr/>
-      </p:nvGrpSpPr>
-      <p:grpSpPr>
-        <a:xfrm>
-          <a:off x="0" y="0"/>
-          <a:ext cx="0" cy="0"/>
-          <a:chOff x="0" y="0"/>
-          <a:chExt cx="0" cy="0"/>
-        </a:xfrm>
-      </p:grpSpPr>
-      <p:sp>
-        <p:nvSpPr>
-          <p:cNvPr id="2" name="Title 1">
-            <a:extLst>
-              <a:ext uri="{FF2B5EF4-FFF2-40B4-BE49-F238E27FC236}">
                 <a16:creationId xmlns:a16="http://schemas.microsoft.com/office/drawing/2014/main" id="{898D1B8C-7724-2348-B0BA-DD8532F2D6F7}"/>
               </a:ext>
             </a:extLst>
@@ -8531,14 +8445,34 @@
             <p:ph idx="1"/>
           </p:nvPr>
         </p:nvSpPr>
-        <p:spPr/>
+        <p:spPr>
+          <a:xfrm>
+            <a:off x="5183188" y="987426"/>
+            <a:ext cx="6172200" cy="1836798"/>
+          </a:xfrm>
+        </p:spPr>
         <p:txBody>
           <a:bodyPr/>
           <a:lstStyle/>
           <a:p>
             <a:r>
               <a:rPr lang="en-US" dirty="0"/>
-              <a:t>Code</a:t>
+              <a:t>Bet = 0</a:t>
+            </a:r>
+          </a:p>
+          <a:p>
+            <a:pPr marL="0" indent="0">
+              <a:buNone/>
+            </a:pPr>
+            <a:endParaRPr lang="en-US" dirty="0"/>
+          </a:p>
+          <a:p>
+            <a:pPr marL="0" indent="0">
+              <a:buNone/>
+            </a:pPr>
+            <a:r>
+              <a:rPr lang="en-US" dirty="0"/>
+              <a:t>DAO?</a:t>
             </a:r>
           </a:p>
         </p:txBody>
@@ -8584,7 +8518,7 @@
 </p:sld>
 </file>
 
-<file path=ppt/slides/slide13.xml><?xml version="1.0" encoding="utf-8"?>
+<file path=ppt/slides/slide12.xml><?xml version="1.0" encoding="utf-8"?>
 <p:sld xmlns:a="http://schemas.openxmlformats.org/drawingml/2006/main" xmlns:r="http://schemas.openxmlformats.org/officeDocument/2006/relationships" xmlns:p="http://schemas.openxmlformats.org/presentationml/2006/main">
   <p:cSld>
     <p:spTree>
@@ -10414,7 +10348,7 @@
             </a:pPr>
             <a:r>
               <a:rPr lang="en-US" dirty="0"/>
-              <a:t>Provides the rule set</a:t>
+              <a:t>Provides the rule set and enforces it</a:t>
             </a:r>
           </a:p>
           <a:p>
@@ -10593,7 +10527,16 @@
               <a:rPr lang="en-US" sz="1600" dirty="0">
                 <a:latin typeface="Courier" pitchFamily="2" charset="0"/>
               </a:rPr>
-              <a:t>    // right side</a:t>
+              <a:t>    // </a:t>
+            </a:r>
+            <a:r>
+              <a:rPr lang="en-US" sz="1600" dirty="0">
+                <a:highlight>
+                  <a:srgbClr val="FFFF00"/>
+                </a:highlight>
+                <a:latin typeface="Courier" pitchFamily="2" charset="0"/>
+              </a:rPr>
+              <a:t>right side</a:t>
             </a:r>
           </a:p>
           <a:p>
@@ -10903,7 +10846,7 @@
         </p:nvSpPr>
         <p:spPr>
           <a:xfrm>
-            <a:off x="839788" y="2057400"/>
+            <a:off x="839788" y="2184721"/>
             <a:ext cx="3932237" cy="3811588"/>
           </a:xfrm>
         </p:spPr>
@@ -10938,8 +10881,8 @@
               <a:buChar char="Ø"/>
             </a:pPr>
             <a:r>
-              <a:rPr lang="en-US" dirty="0"/>
-              <a:t>Block hash?  …nope</a:t>
+              <a:rPr lang="en-US" sz="1500" dirty="0"/>
+              <a:t>Block hash?  …not possible</a:t>
             </a:r>
           </a:p>
           <a:p>
@@ -10948,8 +10891,8 @@
               <a:buChar char="Ø"/>
             </a:pPr>
             <a:r>
-              <a:rPr lang="en-US" dirty="0"/>
-              <a:t>Others? …possible but be aware of miner incentives</a:t>
+              <a:rPr lang="en-US" sz="1500" dirty="0"/>
+              <a:t>Others? …possible but not safe</a:t>
             </a:r>
           </a:p>
           <a:p>
@@ -10968,7 +10911,7 @@
               <a:buChar char="Ø"/>
             </a:pPr>
             <a:r>
-              <a:rPr lang="en-US" dirty="0"/>
+              <a:rPr lang="en-US" sz="1500" dirty="0"/>
               <a:t>Two-step approach</a:t>
             </a:r>
           </a:p>
